--- a/presentation.pptx
+++ b/presentation.pptx
@@ -7,11 +7,11 @@
   <p:sldIdLst>
     <p:sldId id="256" r:id="rId2"/>
     <p:sldId id="257" r:id="rId3"/>
-    <p:sldId id="259" r:id="rId4"/>
-    <p:sldId id="258" r:id="rId5"/>
-    <p:sldId id="262" r:id="rId6"/>
-    <p:sldId id="264" r:id="rId7"/>
-    <p:sldId id="265" r:id="rId8"/>
+    <p:sldId id="258" r:id="rId4"/>
+    <p:sldId id="262" r:id="rId5"/>
+    <p:sldId id="264" r:id="rId6"/>
+    <p:sldId id="265" r:id="rId7"/>
+    <p:sldId id="267" r:id="rId8"/>
     <p:sldId id="266" r:id="rId9"/>
     <p:sldId id="261" r:id="rId10"/>
     <p:sldId id="260" r:id="rId11"/>
@@ -114,6 +114,11 @@
       </a:defRPr>
     </a:lvl9pPr>
   </p:defaultTextStyle>
+  <p:extLst>
+    <p:ext uri="{EFAFB233-063F-42B5-8137-9DF3F51BA10A}">
+      <p15:sldGuideLst xmlns:p15="http://schemas.microsoft.com/office/powerpoint/2012/main"/>
+    </p:ext>
+  </p:extLst>
 </p:presentation>
 </file>
 
@@ -3054,7 +3059,7 @@
           </a:r>
           <a:r>
             <a:rPr lang="en-US" dirty="0" err="1"/>
-            <a:t>EmoVoice</a:t>
+            <a:t>Vokaturi</a:t>
           </a:r>
           <a:r>
             <a:rPr lang="en-US" dirty="0"/>
@@ -4478,7 +4483,7 @@
           </a:r>
           <a:r>
             <a:rPr lang="en-US" sz="2600" kern="1200" dirty="0" err="1"/>
-            <a:t>EmoVoice</a:t>
+            <a:t>Vokaturi</a:t>
           </a:r>
           <a:r>
             <a:rPr lang="en-US" sz="2600" kern="1200" dirty="0"/>
@@ -13888,101 +13893,6 @@
           <p:cNvPr id="2" name="Title 1">
             <a:extLst>
               <a:ext uri="{FF2B5EF4-FFF2-40B4-BE49-F238E27FC236}">
-                <a16:creationId xmlns:a16="http://schemas.microsoft.com/office/drawing/2014/main" id="{82ED7A5D-EEBF-4107-850A-A473C8256F84}"/>
-              </a:ext>
-            </a:extLst>
-          </p:cNvPr>
-          <p:cNvSpPr>
-            <a:spLocks noGrp="1"/>
-          </p:cNvSpPr>
-          <p:nvPr>
-            <p:ph type="title"/>
-          </p:nvPr>
-        </p:nvSpPr>
-        <p:spPr/>
-        <p:txBody>
-          <a:bodyPr/>
-          <a:lstStyle/>
-          <a:p>
-            <a:r>
-              <a:rPr lang="en-US" sz="4000" b="1" dirty="0"/>
-              <a:t>Motivation</a:t>
-            </a:r>
-            <a:endParaRPr lang="en-US" b="1" dirty="0"/>
-          </a:p>
-        </p:txBody>
-      </p:sp>
-      <p:sp>
-        <p:nvSpPr>
-          <p:cNvPr id="3" name="Content Placeholder 2">
-            <a:extLst>
-              <a:ext uri="{FF2B5EF4-FFF2-40B4-BE49-F238E27FC236}">
-                <a16:creationId xmlns:a16="http://schemas.microsoft.com/office/drawing/2014/main" id="{C13EB4CA-EC8F-4274-ACE8-2313896B632B}"/>
-              </a:ext>
-            </a:extLst>
-          </p:cNvPr>
-          <p:cNvSpPr>
-            <a:spLocks noGrp="1"/>
-          </p:cNvSpPr>
-          <p:nvPr>
-            <p:ph idx="1"/>
-          </p:nvPr>
-        </p:nvSpPr>
-        <p:spPr/>
-        <p:txBody>
-          <a:bodyPr>
-            <a:normAutofit/>
-          </a:bodyPr>
-          <a:lstStyle/>
-          <a:p>
-            <a:r>
-              <a:rPr lang="en-US" sz="2400" dirty="0"/>
-              <a:t>Knowing people’s emotion sometime is hard especially during non-real life interaction like video call.</a:t>
-            </a:r>
-          </a:p>
-          <a:p>
-            <a:r>
-              <a:rPr lang="en-US" sz="2400" dirty="0"/>
-              <a:t>Better knowing people’s emotion and doing stuff accordingly will increase the mutual experiences of the conversation.</a:t>
-            </a:r>
-          </a:p>
-        </p:txBody>
-      </p:sp>
-    </p:spTree>
-    <p:extLst>
-      <p:ext uri="{BB962C8B-B14F-4D97-AF65-F5344CB8AC3E}">
-        <p14:creationId xmlns:p14="http://schemas.microsoft.com/office/powerpoint/2010/main" val="151740381"/>
-      </p:ext>
-    </p:extLst>
-  </p:cSld>
-  <p:clrMapOvr>
-    <a:masterClrMapping/>
-  </p:clrMapOvr>
-</p:sld>
-</file>
-
-<file path=ppt/slides/slide4.xml><?xml version="1.0" encoding="utf-8"?>
-<p:sld xmlns:a="http://schemas.openxmlformats.org/drawingml/2006/main" xmlns:r="http://schemas.openxmlformats.org/officeDocument/2006/relationships" xmlns:p="http://schemas.openxmlformats.org/presentationml/2006/main">
-  <p:cSld>
-    <p:spTree>
-      <p:nvGrpSpPr>
-        <p:cNvPr id="1" name=""/>
-        <p:cNvGrpSpPr/>
-        <p:nvPr/>
-      </p:nvGrpSpPr>
-      <p:grpSpPr>
-        <a:xfrm>
-          <a:off x="0" y="0"/>
-          <a:ext cx="0" cy="0"/>
-          <a:chOff x="0" y="0"/>
-          <a:chExt cx="0" cy="0"/>
-        </a:xfrm>
-      </p:grpSpPr>
-      <p:sp>
-        <p:nvSpPr>
-          <p:cNvPr id="2" name="Title 1">
-            <a:extLst>
-              <a:ext uri="{FF2B5EF4-FFF2-40B4-BE49-F238E27FC236}">
                 <a16:creationId xmlns:a16="http://schemas.microsoft.com/office/drawing/2014/main" id="{D275B6EA-E94A-470E-A954-C945C4A1975C}"/>
               </a:ext>
             </a:extLst>
@@ -14057,7 +13967,7 @@
 </p:sld>
 </file>
 
-<file path=ppt/slides/slide5.xml><?xml version="1.0" encoding="utf-8"?>
+<file path=ppt/slides/slide4.xml><?xml version="1.0" encoding="utf-8"?>
 <p:sld xmlns:a="http://schemas.openxmlformats.org/drawingml/2006/main" xmlns:r="http://schemas.openxmlformats.org/officeDocument/2006/relationships" xmlns:p="http://schemas.openxmlformats.org/presentationml/2006/main">
   <p:cSld>
     <p:spTree>
@@ -14176,7 +14086,7 @@
 </p:sld>
 </file>
 
-<file path=ppt/slides/slide6.xml><?xml version="1.0" encoding="utf-8"?>
+<file path=ppt/slides/slide5.xml><?xml version="1.0" encoding="utf-8"?>
 <p:sld xmlns:a="http://schemas.openxmlformats.org/drawingml/2006/main" xmlns:r="http://schemas.openxmlformats.org/officeDocument/2006/relationships" xmlns:p="http://schemas.openxmlformats.org/presentationml/2006/main">
   <p:cSld>
     <p:spTree>
@@ -14237,7 +14147,7 @@
             <p:ph idx="1"/>
             <p:extLst>
               <p:ext uri="{D42A27DB-BD31-4B8C-83A1-F6EECF244321}">
-                <p14:modId xmlns:p14="http://schemas.microsoft.com/office/powerpoint/2010/main" val="640098879"/>
+                <p14:modId xmlns:p14="http://schemas.microsoft.com/office/powerpoint/2010/main" val="4196338859"/>
               </p:ext>
             </p:extLst>
           </p:nvPr>
@@ -14265,7 +14175,7 @@
 </p:sld>
 </file>
 
-<file path=ppt/slides/slide7.xml><?xml version="1.0" encoding="utf-8"?>
+<file path=ppt/slides/slide6.xml><?xml version="1.0" encoding="utf-8"?>
 <p:sld xmlns:a="http://schemas.openxmlformats.org/drawingml/2006/main" xmlns:r="http://schemas.openxmlformats.org/officeDocument/2006/relationships" xmlns:p="http://schemas.openxmlformats.org/presentationml/2006/main">
   <p:cSld>
     <p:spTree>
@@ -14328,18 +14238,26 @@
         </p:nvSpPr>
         <p:spPr/>
         <p:txBody>
-          <a:bodyPr/>
+          <a:bodyPr>
+            <a:normAutofit fontScale="92500" lnSpcReduction="10000"/>
+          </a:bodyPr>
           <a:lstStyle/>
           <a:p>
             <a:r>
               <a:rPr lang="en-US" dirty="0"/>
-              <a:t>Neural Network model with 128 hidden layers</a:t>
+              <a:t>Neural Network model with 2 hidden layers, 128 hidden nodes each</a:t>
             </a:r>
           </a:p>
           <a:p>
             <a:r>
               <a:rPr lang="en-US" dirty="0"/>
               <a:t>Input data from image and voice analysis.</a:t>
+            </a:r>
+          </a:p>
+          <a:p>
+            <a:r>
+              <a:rPr lang="en-US" dirty="0"/>
+              <a:t>Pre-defined action are feed to doc2vec for vectorization.</a:t>
             </a:r>
           </a:p>
           <a:p>
@@ -14354,6 +14272,689 @@
     <p:extLst>
       <p:ext uri="{BB962C8B-B14F-4D97-AF65-F5344CB8AC3E}">
         <p14:creationId xmlns:p14="http://schemas.microsoft.com/office/powerpoint/2010/main" val="3787537997"/>
+      </p:ext>
+    </p:extLst>
+  </p:cSld>
+  <p:clrMapOvr>
+    <a:masterClrMapping/>
+  </p:clrMapOvr>
+</p:sld>
+</file>
+
+<file path=ppt/slides/slide7.xml><?xml version="1.0" encoding="utf-8"?>
+<p:sld xmlns:a="http://schemas.openxmlformats.org/drawingml/2006/main" xmlns:r="http://schemas.openxmlformats.org/officeDocument/2006/relationships" xmlns:p="http://schemas.openxmlformats.org/presentationml/2006/main">
+  <p:cSld>
+    <p:spTree>
+      <p:nvGrpSpPr>
+        <p:cNvPr id="1" name=""/>
+        <p:cNvGrpSpPr/>
+        <p:nvPr/>
+      </p:nvGrpSpPr>
+      <p:grpSpPr>
+        <a:xfrm>
+          <a:off x="0" y="0"/>
+          <a:ext cx="0" cy="0"/>
+          <a:chOff x="0" y="0"/>
+          <a:chExt cx="0" cy="0"/>
+        </a:xfrm>
+      </p:grpSpPr>
+      <p:sp>
+        <p:nvSpPr>
+          <p:cNvPr id="2" name="Title 1">
+            <a:extLst>
+              <a:ext uri="{FF2B5EF4-FFF2-40B4-BE49-F238E27FC236}">
+                <a16:creationId xmlns:a16="http://schemas.microsoft.com/office/drawing/2014/main" id="{35466843-408C-484E-AA1C-5FE155FE4DE1}"/>
+              </a:ext>
+            </a:extLst>
+          </p:cNvPr>
+          <p:cNvSpPr>
+            <a:spLocks noGrp="1"/>
+          </p:cNvSpPr>
+          <p:nvPr>
+            <p:ph type="title"/>
+          </p:nvPr>
+        </p:nvSpPr>
+        <p:spPr>
+          <a:xfrm>
+            <a:off x="1510024" y="401061"/>
+            <a:ext cx="6479421" cy="1049235"/>
+          </a:xfrm>
+        </p:spPr>
+        <p:txBody>
+          <a:bodyPr/>
+          <a:lstStyle/>
+          <a:p>
+            <a:r>
+              <a:rPr lang="en-US" dirty="0"/>
+              <a:t>Suggested action selection mechanism </a:t>
+            </a:r>
+          </a:p>
+        </p:txBody>
+      </p:sp>
+      <p:sp>
+        <p:nvSpPr>
+          <p:cNvPr id="5" name="Rectangle 4">
+            <a:extLst>
+              <a:ext uri="{FF2B5EF4-FFF2-40B4-BE49-F238E27FC236}">
+                <a16:creationId xmlns:a16="http://schemas.microsoft.com/office/drawing/2014/main" id="{82500772-5329-4EFB-A366-65B10376E94B}"/>
+              </a:ext>
+            </a:extLst>
+          </p:cNvPr>
+          <p:cNvSpPr/>
+          <p:nvPr/>
+        </p:nvSpPr>
+        <p:spPr>
+          <a:xfrm>
+            <a:off x="1096830" y="3339487"/>
+            <a:ext cx="1953491" cy="762000"/>
+          </a:xfrm>
+          <a:prstGeom prst="rect">
+            <a:avLst/>
+          </a:prstGeom>
+        </p:spPr>
+        <p:style>
+          <a:lnRef idx="2">
+            <a:schemeClr val="accent1">
+              <a:shade val="50000"/>
+            </a:schemeClr>
+          </a:lnRef>
+          <a:fillRef idx="1">
+            <a:schemeClr val="accent1"/>
+          </a:fillRef>
+          <a:effectRef idx="0">
+            <a:schemeClr val="accent1"/>
+          </a:effectRef>
+          <a:fontRef idx="minor">
+            <a:schemeClr val="lt1"/>
+          </a:fontRef>
+        </p:style>
+        <p:txBody>
+          <a:bodyPr rtlCol="0" anchor="ctr"/>
+          <a:lstStyle/>
+          <a:p>
+            <a:pPr algn="ctr"/>
+            <a:r>
+              <a:rPr lang="en-US" dirty="0"/>
+              <a:t>Audio Output</a:t>
+            </a:r>
+          </a:p>
+        </p:txBody>
+      </p:sp>
+      <p:sp>
+        <p:nvSpPr>
+          <p:cNvPr id="6" name="Rectangle 5">
+            <a:extLst>
+              <a:ext uri="{FF2B5EF4-FFF2-40B4-BE49-F238E27FC236}">
+                <a16:creationId xmlns:a16="http://schemas.microsoft.com/office/drawing/2014/main" id="{A89BB454-961F-43F3-BD33-049B2A543BD7}"/>
+              </a:ext>
+            </a:extLst>
+          </p:cNvPr>
+          <p:cNvSpPr/>
+          <p:nvPr/>
+        </p:nvSpPr>
+        <p:spPr>
+          <a:xfrm>
+            <a:off x="1249232" y="1653262"/>
+            <a:ext cx="1953491" cy="762000"/>
+          </a:xfrm>
+          <a:prstGeom prst="rect">
+            <a:avLst/>
+          </a:prstGeom>
+        </p:spPr>
+        <p:style>
+          <a:lnRef idx="2">
+            <a:schemeClr val="accent1">
+              <a:shade val="50000"/>
+            </a:schemeClr>
+          </a:lnRef>
+          <a:fillRef idx="1">
+            <a:schemeClr val="accent1"/>
+          </a:fillRef>
+          <a:effectRef idx="0">
+            <a:schemeClr val="accent1"/>
+          </a:effectRef>
+          <a:fontRef idx="minor">
+            <a:schemeClr val="lt1"/>
+          </a:fontRef>
+        </p:style>
+        <p:txBody>
+          <a:bodyPr rtlCol="0" anchor="ctr"/>
+          <a:lstStyle/>
+          <a:p>
+            <a:pPr algn="ctr"/>
+            <a:r>
+              <a:rPr lang="en-US" dirty="0"/>
+              <a:t>Image Output</a:t>
+            </a:r>
+          </a:p>
+        </p:txBody>
+      </p:sp>
+      <p:sp>
+        <p:nvSpPr>
+          <p:cNvPr id="7" name="Cross 6">
+            <a:extLst>
+              <a:ext uri="{FF2B5EF4-FFF2-40B4-BE49-F238E27FC236}">
+                <a16:creationId xmlns:a16="http://schemas.microsoft.com/office/drawing/2014/main" id="{A5134F4E-D908-4AF7-A128-E97C9EB0F610}"/>
+              </a:ext>
+            </a:extLst>
+          </p:cNvPr>
+          <p:cNvSpPr/>
+          <p:nvPr/>
+        </p:nvSpPr>
+        <p:spPr>
+          <a:xfrm>
+            <a:off x="1955813" y="2630045"/>
+            <a:ext cx="540327" cy="526473"/>
+          </a:xfrm>
+          <a:prstGeom prst="plus">
+            <a:avLst/>
+          </a:prstGeom>
+        </p:spPr>
+        <p:style>
+          <a:lnRef idx="2">
+            <a:schemeClr val="accent1">
+              <a:shade val="50000"/>
+            </a:schemeClr>
+          </a:lnRef>
+          <a:fillRef idx="1">
+            <a:schemeClr val="accent1"/>
+          </a:fillRef>
+          <a:effectRef idx="0">
+            <a:schemeClr val="accent1"/>
+          </a:effectRef>
+          <a:fontRef idx="minor">
+            <a:schemeClr val="lt1"/>
+          </a:fontRef>
+        </p:style>
+        <p:txBody>
+          <a:bodyPr rtlCol="0" anchor="ctr"/>
+          <a:lstStyle/>
+          <a:p>
+            <a:pPr algn="ctr"/>
+            <a:endParaRPr lang="en-US"/>
+          </a:p>
+        </p:txBody>
+      </p:sp>
+      <p:sp>
+        <p:nvSpPr>
+          <p:cNvPr id="8" name="Arrow: Right 7">
+            <a:extLst>
+              <a:ext uri="{FF2B5EF4-FFF2-40B4-BE49-F238E27FC236}">
+                <a16:creationId xmlns:a16="http://schemas.microsoft.com/office/drawing/2014/main" id="{645EFB0D-36CC-46DD-B75A-E813C39F77C3}"/>
+              </a:ext>
+            </a:extLst>
+          </p:cNvPr>
+          <p:cNvSpPr/>
+          <p:nvPr/>
+        </p:nvSpPr>
+        <p:spPr>
+          <a:xfrm>
+            <a:off x="3157570" y="2657629"/>
+            <a:ext cx="540327" cy="459955"/>
+          </a:xfrm>
+          <a:prstGeom prst="rightArrow">
+            <a:avLst/>
+          </a:prstGeom>
+        </p:spPr>
+        <p:style>
+          <a:lnRef idx="2">
+            <a:schemeClr val="accent1">
+              <a:shade val="50000"/>
+            </a:schemeClr>
+          </a:lnRef>
+          <a:fillRef idx="1">
+            <a:schemeClr val="accent1"/>
+          </a:fillRef>
+          <a:effectRef idx="0">
+            <a:schemeClr val="accent1"/>
+          </a:effectRef>
+          <a:fontRef idx="minor">
+            <a:schemeClr val="lt1"/>
+          </a:fontRef>
+        </p:style>
+        <p:txBody>
+          <a:bodyPr rtlCol="0" anchor="ctr"/>
+          <a:lstStyle/>
+          <a:p>
+            <a:pPr algn="ctr"/>
+            <a:endParaRPr lang="en-US"/>
+          </a:p>
+        </p:txBody>
+      </p:sp>
+      <p:sp>
+        <p:nvSpPr>
+          <p:cNvPr id="9" name="Rectangle 8">
+            <a:extLst>
+              <a:ext uri="{FF2B5EF4-FFF2-40B4-BE49-F238E27FC236}">
+                <a16:creationId xmlns:a16="http://schemas.microsoft.com/office/drawing/2014/main" id="{EAD98C13-D9B2-4708-9B14-4D42894312E5}"/>
+              </a:ext>
+            </a:extLst>
+          </p:cNvPr>
+          <p:cNvSpPr/>
+          <p:nvPr/>
+        </p:nvSpPr>
+        <p:spPr>
+          <a:xfrm>
+            <a:off x="558667" y="4770963"/>
+            <a:ext cx="1953491" cy="762000"/>
+          </a:xfrm>
+          <a:prstGeom prst="rect">
+            <a:avLst/>
+          </a:prstGeom>
+        </p:spPr>
+        <p:style>
+          <a:lnRef idx="2">
+            <a:schemeClr val="accent1">
+              <a:shade val="50000"/>
+            </a:schemeClr>
+          </a:lnRef>
+          <a:fillRef idx="1">
+            <a:schemeClr val="accent1"/>
+          </a:fillRef>
+          <a:effectRef idx="0">
+            <a:schemeClr val="accent1"/>
+          </a:effectRef>
+          <a:fontRef idx="minor">
+            <a:schemeClr val="lt1"/>
+          </a:fontRef>
+        </p:style>
+        <p:txBody>
+          <a:bodyPr rtlCol="0" anchor="ctr"/>
+          <a:lstStyle/>
+          <a:p>
+            <a:pPr algn="ctr"/>
+            <a:r>
+              <a:rPr lang="en-US" dirty="0"/>
+              <a:t>Predefined Actions</a:t>
+            </a:r>
+          </a:p>
+        </p:txBody>
+      </p:sp>
+      <p:sp>
+        <p:nvSpPr>
+          <p:cNvPr id="10" name="Rectangle: Rounded Corners 9">
+            <a:extLst>
+              <a:ext uri="{FF2B5EF4-FFF2-40B4-BE49-F238E27FC236}">
+                <a16:creationId xmlns:a16="http://schemas.microsoft.com/office/drawing/2014/main" id="{7CCC2E51-3259-4922-A735-62D5B8415731}"/>
+              </a:ext>
+            </a:extLst>
+          </p:cNvPr>
+          <p:cNvSpPr/>
+          <p:nvPr/>
+        </p:nvSpPr>
+        <p:spPr>
+          <a:xfrm>
+            <a:off x="4152889" y="2424672"/>
+            <a:ext cx="2078182" cy="914399"/>
+          </a:xfrm>
+          <a:prstGeom prst="roundRect">
+            <a:avLst/>
+          </a:prstGeom>
+        </p:spPr>
+        <p:style>
+          <a:lnRef idx="2">
+            <a:schemeClr val="accent1">
+              <a:shade val="50000"/>
+            </a:schemeClr>
+          </a:lnRef>
+          <a:fillRef idx="1">
+            <a:schemeClr val="accent1"/>
+          </a:fillRef>
+          <a:effectRef idx="0">
+            <a:schemeClr val="accent1"/>
+          </a:effectRef>
+          <a:fontRef idx="minor">
+            <a:schemeClr val="lt1"/>
+          </a:fontRef>
+        </p:style>
+        <p:txBody>
+          <a:bodyPr rtlCol="0" anchor="ctr"/>
+          <a:lstStyle/>
+          <a:p>
+            <a:pPr algn="ctr"/>
+            <a:r>
+              <a:rPr lang="en-US" dirty="0"/>
+              <a:t>TensorFlow core</a:t>
+            </a:r>
+          </a:p>
+        </p:txBody>
+      </p:sp>
+      <p:sp>
+        <p:nvSpPr>
+          <p:cNvPr id="11" name="Rectangle: Rounded Corners 10">
+            <a:extLst>
+              <a:ext uri="{FF2B5EF4-FFF2-40B4-BE49-F238E27FC236}">
+                <a16:creationId xmlns:a16="http://schemas.microsoft.com/office/drawing/2014/main" id="{5B5560A1-D063-4958-BE60-81DE8FD985C0}"/>
+              </a:ext>
+            </a:extLst>
+          </p:cNvPr>
+          <p:cNvSpPr/>
+          <p:nvPr/>
+        </p:nvSpPr>
+        <p:spPr>
+          <a:xfrm>
+            <a:off x="4241723" y="4694764"/>
+            <a:ext cx="2078182" cy="914399"/>
+          </a:xfrm>
+          <a:prstGeom prst="roundRect">
+            <a:avLst/>
+          </a:prstGeom>
+        </p:spPr>
+        <p:style>
+          <a:lnRef idx="2">
+            <a:schemeClr val="accent1">
+              <a:shade val="50000"/>
+            </a:schemeClr>
+          </a:lnRef>
+          <a:fillRef idx="1">
+            <a:schemeClr val="accent1"/>
+          </a:fillRef>
+          <a:effectRef idx="0">
+            <a:schemeClr val="accent1"/>
+          </a:effectRef>
+          <a:fontRef idx="minor">
+            <a:schemeClr val="lt1"/>
+          </a:fontRef>
+        </p:style>
+        <p:txBody>
+          <a:bodyPr rtlCol="0" anchor="ctr"/>
+          <a:lstStyle/>
+          <a:p>
+            <a:pPr algn="ctr"/>
+            <a:r>
+              <a:rPr lang="en-US" dirty="0"/>
+              <a:t>Doc2Vec</a:t>
+            </a:r>
+          </a:p>
+        </p:txBody>
+      </p:sp>
+      <p:sp>
+        <p:nvSpPr>
+          <p:cNvPr id="12" name="Arrow: Right 11">
+            <a:extLst>
+              <a:ext uri="{FF2B5EF4-FFF2-40B4-BE49-F238E27FC236}">
+                <a16:creationId xmlns:a16="http://schemas.microsoft.com/office/drawing/2014/main" id="{DDB9B6F3-F955-4751-8B83-4494F8A05522}"/>
+              </a:ext>
+            </a:extLst>
+          </p:cNvPr>
+          <p:cNvSpPr/>
+          <p:nvPr/>
+        </p:nvSpPr>
+        <p:spPr>
+          <a:xfrm>
+            <a:off x="3142330" y="4969370"/>
+            <a:ext cx="540327" cy="459955"/>
+          </a:xfrm>
+          <a:prstGeom prst="rightArrow">
+            <a:avLst/>
+          </a:prstGeom>
+        </p:spPr>
+        <p:style>
+          <a:lnRef idx="2">
+            <a:schemeClr val="accent1">
+              <a:shade val="50000"/>
+            </a:schemeClr>
+          </a:lnRef>
+          <a:fillRef idx="1">
+            <a:schemeClr val="accent1"/>
+          </a:fillRef>
+          <a:effectRef idx="0">
+            <a:schemeClr val="accent1"/>
+          </a:effectRef>
+          <a:fontRef idx="minor">
+            <a:schemeClr val="lt1"/>
+          </a:fontRef>
+        </p:style>
+        <p:txBody>
+          <a:bodyPr rtlCol="0" anchor="ctr"/>
+          <a:lstStyle/>
+          <a:p>
+            <a:pPr algn="ctr"/>
+            <a:endParaRPr lang="en-US"/>
+          </a:p>
+        </p:txBody>
+      </p:sp>
+      <p:sp>
+        <p:nvSpPr>
+          <p:cNvPr id="13" name="Arrow: Up-Down 12">
+            <a:extLst>
+              <a:ext uri="{FF2B5EF4-FFF2-40B4-BE49-F238E27FC236}">
+                <a16:creationId xmlns:a16="http://schemas.microsoft.com/office/drawing/2014/main" id="{77FCBE2C-98FA-4FD2-A12D-C6E72861069B}"/>
+              </a:ext>
+            </a:extLst>
+          </p:cNvPr>
+          <p:cNvSpPr/>
+          <p:nvPr/>
+        </p:nvSpPr>
+        <p:spPr>
+          <a:xfrm>
+            <a:off x="5079923" y="3569734"/>
+            <a:ext cx="401782" cy="914399"/>
+          </a:xfrm>
+          <a:prstGeom prst="upDownArrow">
+            <a:avLst/>
+          </a:prstGeom>
+        </p:spPr>
+        <p:style>
+          <a:lnRef idx="2">
+            <a:schemeClr val="accent1">
+              <a:shade val="50000"/>
+            </a:schemeClr>
+          </a:lnRef>
+          <a:fillRef idx="1">
+            <a:schemeClr val="accent1"/>
+          </a:fillRef>
+          <a:effectRef idx="0">
+            <a:schemeClr val="accent1"/>
+          </a:effectRef>
+          <a:fontRef idx="minor">
+            <a:schemeClr val="lt1"/>
+          </a:fontRef>
+        </p:style>
+        <p:txBody>
+          <a:bodyPr rtlCol="0" anchor="ctr"/>
+          <a:lstStyle/>
+          <a:p>
+            <a:pPr algn="ctr"/>
+            <a:endParaRPr lang="en-US"/>
+          </a:p>
+        </p:txBody>
+      </p:sp>
+      <p:sp>
+        <p:nvSpPr>
+          <p:cNvPr id="14" name="Arrow: Right 13">
+            <a:extLst>
+              <a:ext uri="{FF2B5EF4-FFF2-40B4-BE49-F238E27FC236}">
+                <a16:creationId xmlns:a16="http://schemas.microsoft.com/office/drawing/2014/main" id="{9CC0CD7D-8909-4AF5-ADE0-EC1379E4FC99}"/>
+              </a:ext>
+            </a:extLst>
+          </p:cNvPr>
+          <p:cNvSpPr/>
+          <p:nvPr/>
+        </p:nvSpPr>
+        <p:spPr>
+          <a:xfrm>
+            <a:off x="6240251" y="3792523"/>
+            <a:ext cx="540327" cy="459955"/>
+          </a:xfrm>
+          <a:prstGeom prst="rightArrow">
+            <a:avLst/>
+          </a:prstGeom>
+        </p:spPr>
+        <p:style>
+          <a:lnRef idx="2">
+            <a:schemeClr val="accent1">
+              <a:shade val="50000"/>
+            </a:schemeClr>
+          </a:lnRef>
+          <a:fillRef idx="1">
+            <a:schemeClr val="accent1"/>
+          </a:fillRef>
+          <a:effectRef idx="0">
+            <a:schemeClr val="accent1"/>
+          </a:effectRef>
+          <a:fontRef idx="minor">
+            <a:schemeClr val="lt1"/>
+          </a:fontRef>
+        </p:style>
+        <p:txBody>
+          <a:bodyPr rtlCol="0" anchor="ctr"/>
+          <a:lstStyle/>
+          <a:p>
+            <a:pPr algn="ctr"/>
+            <a:endParaRPr lang="en-US"/>
+          </a:p>
+        </p:txBody>
+      </p:sp>
+      <p:sp>
+        <p:nvSpPr>
+          <p:cNvPr id="16" name="Rectangle 15">
+            <a:extLst>
+              <a:ext uri="{FF2B5EF4-FFF2-40B4-BE49-F238E27FC236}">
+                <a16:creationId xmlns:a16="http://schemas.microsoft.com/office/drawing/2014/main" id="{C6511D5F-1B9C-4FA0-9723-42746E673AA4}"/>
+              </a:ext>
+            </a:extLst>
+          </p:cNvPr>
+          <p:cNvSpPr/>
+          <p:nvPr/>
+        </p:nvSpPr>
+        <p:spPr>
+          <a:xfrm>
+            <a:off x="7039309" y="3644319"/>
+            <a:ext cx="1596821" cy="724799"/>
+          </a:xfrm>
+          <a:prstGeom prst="rect">
+            <a:avLst/>
+          </a:prstGeom>
+        </p:spPr>
+        <p:style>
+          <a:lnRef idx="2">
+            <a:schemeClr val="accent1">
+              <a:shade val="50000"/>
+            </a:schemeClr>
+          </a:lnRef>
+          <a:fillRef idx="1">
+            <a:schemeClr val="accent1"/>
+          </a:fillRef>
+          <a:effectRef idx="0">
+            <a:schemeClr val="accent1"/>
+          </a:effectRef>
+          <a:fontRef idx="minor">
+            <a:schemeClr val="lt1"/>
+          </a:fontRef>
+        </p:style>
+        <p:txBody>
+          <a:bodyPr rtlCol="0" anchor="ctr"/>
+          <a:lstStyle/>
+          <a:p>
+            <a:pPr algn="ctr"/>
+            <a:r>
+              <a:rPr lang="en-US" dirty="0"/>
+              <a:t>Suggested Actions</a:t>
+            </a:r>
+          </a:p>
+        </p:txBody>
+      </p:sp>
+      <p:sp>
+        <p:nvSpPr>
+          <p:cNvPr id="17" name="TextBox 16">
+            <a:extLst>
+              <a:ext uri="{FF2B5EF4-FFF2-40B4-BE49-F238E27FC236}">
+                <a16:creationId xmlns:a16="http://schemas.microsoft.com/office/drawing/2014/main" id="{EBD16325-D213-43CD-B3CD-48332D539266}"/>
+              </a:ext>
+            </a:extLst>
+          </p:cNvPr>
+          <p:cNvSpPr txBox="1"/>
+          <p:nvPr/>
+        </p:nvSpPr>
+        <p:spPr>
+          <a:xfrm>
+            <a:off x="3806526" y="3837835"/>
+            <a:ext cx="1205345" cy="369332"/>
+          </a:xfrm>
+          <a:prstGeom prst="rect">
+            <a:avLst/>
+          </a:prstGeom>
+        </p:spPr>
+        <p:style>
+          <a:lnRef idx="2">
+            <a:schemeClr val="dk1"/>
+          </a:lnRef>
+          <a:fillRef idx="1">
+            <a:schemeClr val="lt1"/>
+          </a:fillRef>
+          <a:effectRef idx="0">
+            <a:schemeClr val="dk1"/>
+          </a:effectRef>
+          <a:fontRef idx="minor">
+            <a:schemeClr val="dk1"/>
+          </a:fontRef>
+        </p:style>
+        <p:txBody>
+          <a:bodyPr wrap="square" rtlCol="0">
+            <a:spAutoFit/>
+          </a:bodyPr>
+          <a:lstStyle/>
+          <a:p>
+            <a:r>
+              <a:rPr lang="en-US" dirty="0"/>
+              <a:t>Compare</a:t>
+            </a:r>
+          </a:p>
+        </p:txBody>
+      </p:sp>
+      <p:sp>
+        <p:nvSpPr>
+          <p:cNvPr id="18" name="TextBox 17">
+            <a:extLst>
+              <a:ext uri="{FF2B5EF4-FFF2-40B4-BE49-F238E27FC236}">
+                <a16:creationId xmlns:a16="http://schemas.microsoft.com/office/drawing/2014/main" id="{BEEE18FF-0DA4-492A-A460-D175CF899F09}"/>
+              </a:ext>
+            </a:extLst>
+          </p:cNvPr>
+          <p:cNvSpPr txBox="1"/>
+          <p:nvPr/>
+        </p:nvSpPr>
+        <p:spPr>
+          <a:xfrm>
+            <a:off x="2619216" y="5572599"/>
+            <a:ext cx="1565564" cy="369332"/>
+          </a:xfrm>
+          <a:prstGeom prst="rect">
+            <a:avLst/>
+          </a:prstGeom>
+        </p:spPr>
+        <p:style>
+          <a:lnRef idx="2">
+            <a:schemeClr val="dk1"/>
+          </a:lnRef>
+          <a:fillRef idx="1">
+            <a:schemeClr val="lt1"/>
+          </a:fillRef>
+          <a:effectRef idx="0">
+            <a:schemeClr val="dk1"/>
+          </a:effectRef>
+          <a:fontRef idx="minor">
+            <a:schemeClr val="dk1"/>
+          </a:fontRef>
+        </p:style>
+        <p:txBody>
+          <a:bodyPr wrap="square" rtlCol="0">
+            <a:spAutoFit/>
+          </a:bodyPr>
+          <a:lstStyle/>
+          <a:p>
+            <a:r>
+              <a:rPr lang="en-US" dirty="0"/>
+              <a:t>Vectorization</a:t>
+            </a:r>
+          </a:p>
+        </p:txBody>
+      </p:sp>
+    </p:spTree>
+    <p:extLst>
+      <p:ext uri="{BB962C8B-B14F-4D97-AF65-F5344CB8AC3E}">
+        <p14:creationId xmlns:p14="http://schemas.microsoft.com/office/powerpoint/2010/main" val="1468719722"/>
       </p:ext>
     </p:extLst>
   </p:cSld>
@@ -14452,7 +15053,7 @@
         <p:spPr>
           <a:xfrm>
             <a:off x="5957455" y="4170218"/>
-            <a:ext cx="2410691" cy="646331"/>
+            <a:ext cx="2646219" cy="923330"/>
           </a:xfrm>
           <a:prstGeom prst="rect">
             <a:avLst/>
@@ -14473,7 +15074,7 @@
                   <a:schemeClr val="bg1"/>
                 </a:solidFill>
               </a:rPr>
-              <a:t>3. Suggestion for action</a:t>
+              <a:t>3. Suggestion for action with its confidence as font size</a:t>
             </a:r>
           </a:p>
         </p:txBody>

--- a/presentation.pptx
+++ b/presentation.pptx
@@ -14961,6 +14961,599 @@
   <p:clrMapOvr>
     <a:masterClrMapping/>
   </p:clrMapOvr>
+  <p:timing>
+    <p:tnLst>
+      <p:par>
+        <p:cTn id="1" dur="indefinite" restart="never" nodeType="tmRoot">
+          <p:childTnLst>
+            <p:seq concurrent="1" nextAc="seek">
+              <p:cTn id="2" dur="indefinite" nodeType="mainSeq">
+                <p:childTnLst>
+                  <p:par>
+                    <p:cTn id="3" fill="hold">
+                      <p:stCondLst>
+                        <p:cond delay="indefinite"/>
+                        <p:cond evt="onBegin" delay="0">
+                          <p:tn val="2"/>
+                        </p:cond>
+                      </p:stCondLst>
+                      <p:childTnLst>
+                        <p:par>
+                          <p:cTn id="4" fill="hold">
+                            <p:stCondLst>
+                              <p:cond delay="0"/>
+                            </p:stCondLst>
+                            <p:childTnLst>
+                              <p:par>
+                                <p:cTn id="5" presetID="10" presetClass="entr" presetSubtype="0" fill="hold" grpId="0" nodeType="withEffect">
+                                  <p:stCondLst>
+                                    <p:cond delay="0"/>
+                                  </p:stCondLst>
+                                  <p:childTnLst>
+                                    <p:set>
+                                      <p:cBhvr>
+                                        <p:cTn id="6" dur="1" fill="hold">
+                                          <p:stCondLst>
+                                            <p:cond delay="0"/>
+                                          </p:stCondLst>
+                                        </p:cTn>
+                                        <p:tgtEl>
+                                          <p:spTgt spid="9"/>
+                                        </p:tgtEl>
+                                        <p:attrNameLst>
+                                          <p:attrName>style.visibility</p:attrName>
+                                        </p:attrNameLst>
+                                      </p:cBhvr>
+                                      <p:to>
+                                        <p:strVal val="visible"/>
+                                      </p:to>
+                                    </p:set>
+                                    <p:animEffect transition="in" filter="fade">
+                                      <p:cBhvr>
+                                        <p:cTn id="7" dur="500"/>
+                                        <p:tgtEl>
+                                          <p:spTgt spid="9"/>
+                                        </p:tgtEl>
+                                      </p:cBhvr>
+                                    </p:animEffect>
+                                  </p:childTnLst>
+                                </p:cTn>
+                              </p:par>
+                              <p:par>
+                                <p:cTn id="8" presetID="10" presetClass="entr" presetSubtype="0" fill="hold" grpId="0" nodeType="withEffect">
+                                  <p:stCondLst>
+                                    <p:cond delay="0"/>
+                                  </p:stCondLst>
+                                  <p:childTnLst>
+                                    <p:set>
+                                      <p:cBhvr>
+                                        <p:cTn id="9" dur="1" fill="hold">
+                                          <p:stCondLst>
+                                            <p:cond delay="0"/>
+                                          </p:stCondLst>
+                                        </p:cTn>
+                                        <p:tgtEl>
+                                          <p:spTgt spid="12"/>
+                                        </p:tgtEl>
+                                        <p:attrNameLst>
+                                          <p:attrName>style.visibility</p:attrName>
+                                        </p:attrNameLst>
+                                      </p:cBhvr>
+                                      <p:to>
+                                        <p:strVal val="visible"/>
+                                      </p:to>
+                                    </p:set>
+                                    <p:animEffect transition="in" filter="fade">
+                                      <p:cBhvr>
+                                        <p:cTn id="10" dur="500"/>
+                                        <p:tgtEl>
+                                          <p:spTgt spid="12"/>
+                                        </p:tgtEl>
+                                      </p:cBhvr>
+                                    </p:animEffect>
+                                  </p:childTnLst>
+                                </p:cTn>
+                              </p:par>
+                              <p:par>
+                                <p:cTn id="11" presetID="10" presetClass="entr" presetSubtype="0" fill="hold" grpId="0" nodeType="withEffect">
+                                  <p:stCondLst>
+                                    <p:cond delay="0"/>
+                                  </p:stCondLst>
+                                  <p:childTnLst>
+                                    <p:set>
+                                      <p:cBhvr>
+                                        <p:cTn id="12" dur="1" fill="hold">
+                                          <p:stCondLst>
+                                            <p:cond delay="0"/>
+                                          </p:stCondLst>
+                                        </p:cTn>
+                                        <p:tgtEl>
+                                          <p:spTgt spid="18"/>
+                                        </p:tgtEl>
+                                        <p:attrNameLst>
+                                          <p:attrName>style.visibility</p:attrName>
+                                        </p:attrNameLst>
+                                      </p:cBhvr>
+                                      <p:to>
+                                        <p:strVal val="visible"/>
+                                      </p:to>
+                                    </p:set>
+                                    <p:animEffect transition="in" filter="fade">
+                                      <p:cBhvr>
+                                        <p:cTn id="13" dur="500"/>
+                                        <p:tgtEl>
+                                          <p:spTgt spid="18"/>
+                                        </p:tgtEl>
+                                      </p:cBhvr>
+                                    </p:animEffect>
+                                  </p:childTnLst>
+                                </p:cTn>
+                              </p:par>
+                            </p:childTnLst>
+                          </p:cTn>
+                        </p:par>
+                      </p:childTnLst>
+                    </p:cTn>
+                  </p:par>
+                  <p:par>
+                    <p:cTn id="14" fill="hold">
+                      <p:stCondLst>
+                        <p:cond delay="indefinite"/>
+                      </p:stCondLst>
+                      <p:childTnLst>
+                        <p:par>
+                          <p:cTn id="15" fill="hold">
+                            <p:stCondLst>
+                              <p:cond delay="0"/>
+                            </p:stCondLst>
+                            <p:childTnLst>
+                              <p:par>
+                                <p:cTn id="16" presetID="10" presetClass="entr" presetSubtype="0" fill="hold" grpId="0" nodeType="clickEffect">
+                                  <p:stCondLst>
+                                    <p:cond delay="0"/>
+                                  </p:stCondLst>
+                                  <p:childTnLst>
+                                    <p:set>
+                                      <p:cBhvr>
+                                        <p:cTn id="17" dur="1" fill="hold">
+                                          <p:stCondLst>
+                                            <p:cond delay="0"/>
+                                          </p:stCondLst>
+                                        </p:cTn>
+                                        <p:tgtEl>
+                                          <p:spTgt spid="11"/>
+                                        </p:tgtEl>
+                                        <p:attrNameLst>
+                                          <p:attrName>style.visibility</p:attrName>
+                                        </p:attrNameLst>
+                                      </p:cBhvr>
+                                      <p:to>
+                                        <p:strVal val="visible"/>
+                                      </p:to>
+                                    </p:set>
+                                    <p:animEffect transition="in" filter="fade">
+                                      <p:cBhvr>
+                                        <p:cTn id="18" dur="500"/>
+                                        <p:tgtEl>
+                                          <p:spTgt spid="11"/>
+                                        </p:tgtEl>
+                                      </p:cBhvr>
+                                    </p:animEffect>
+                                  </p:childTnLst>
+                                </p:cTn>
+                              </p:par>
+                            </p:childTnLst>
+                          </p:cTn>
+                        </p:par>
+                      </p:childTnLst>
+                    </p:cTn>
+                  </p:par>
+                  <p:par>
+                    <p:cTn id="19" fill="hold">
+                      <p:stCondLst>
+                        <p:cond delay="indefinite"/>
+                      </p:stCondLst>
+                      <p:childTnLst>
+                        <p:par>
+                          <p:cTn id="20" fill="hold">
+                            <p:stCondLst>
+                              <p:cond delay="0"/>
+                            </p:stCondLst>
+                            <p:childTnLst>
+                              <p:par>
+                                <p:cTn id="21" presetID="10" presetClass="entr" presetSubtype="0" fill="hold" grpId="0" nodeType="clickEffect">
+                                  <p:stCondLst>
+                                    <p:cond delay="0"/>
+                                  </p:stCondLst>
+                                  <p:childTnLst>
+                                    <p:set>
+                                      <p:cBhvr>
+                                        <p:cTn id="22" dur="1" fill="hold">
+                                          <p:stCondLst>
+                                            <p:cond delay="0"/>
+                                          </p:stCondLst>
+                                        </p:cTn>
+                                        <p:tgtEl>
+                                          <p:spTgt spid="5"/>
+                                        </p:tgtEl>
+                                        <p:attrNameLst>
+                                          <p:attrName>style.visibility</p:attrName>
+                                        </p:attrNameLst>
+                                      </p:cBhvr>
+                                      <p:to>
+                                        <p:strVal val="visible"/>
+                                      </p:to>
+                                    </p:set>
+                                    <p:animEffect transition="in" filter="fade">
+                                      <p:cBhvr>
+                                        <p:cTn id="23" dur="500"/>
+                                        <p:tgtEl>
+                                          <p:spTgt spid="5"/>
+                                        </p:tgtEl>
+                                      </p:cBhvr>
+                                    </p:animEffect>
+                                  </p:childTnLst>
+                                </p:cTn>
+                              </p:par>
+                              <p:par>
+                                <p:cTn id="24" presetID="10" presetClass="entr" presetSubtype="0" fill="hold" grpId="0" nodeType="withEffect">
+                                  <p:stCondLst>
+                                    <p:cond delay="0"/>
+                                  </p:stCondLst>
+                                  <p:childTnLst>
+                                    <p:set>
+                                      <p:cBhvr>
+                                        <p:cTn id="25" dur="1" fill="hold">
+                                          <p:stCondLst>
+                                            <p:cond delay="0"/>
+                                          </p:stCondLst>
+                                        </p:cTn>
+                                        <p:tgtEl>
+                                          <p:spTgt spid="6"/>
+                                        </p:tgtEl>
+                                        <p:attrNameLst>
+                                          <p:attrName>style.visibility</p:attrName>
+                                        </p:attrNameLst>
+                                      </p:cBhvr>
+                                      <p:to>
+                                        <p:strVal val="visible"/>
+                                      </p:to>
+                                    </p:set>
+                                    <p:animEffect transition="in" filter="fade">
+                                      <p:cBhvr>
+                                        <p:cTn id="26" dur="500"/>
+                                        <p:tgtEl>
+                                          <p:spTgt spid="6"/>
+                                        </p:tgtEl>
+                                      </p:cBhvr>
+                                    </p:animEffect>
+                                  </p:childTnLst>
+                                </p:cTn>
+                              </p:par>
+                              <p:par>
+                                <p:cTn id="27" presetID="10" presetClass="entr" presetSubtype="0" fill="hold" grpId="0" nodeType="withEffect">
+                                  <p:stCondLst>
+                                    <p:cond delay="0"/>
+                                  </p:stCondLst>
+                                  <p:childTnLst>
+                                    <p:set>
+                                      <p:cBhvr>
+                                        <p:cTn id="28" dur="1" fill="hold">
+                                          <p:stCondLst>
+                                            <p:cond delay="0"/>
+                                          </p:stCondLst>
+                                        </p:cTn>
+                                        <p:tgtEl>
+                                          <p:spTgt spid="7"/>
+                                        </p:tgtEl>
+                                        <p:attrNameLst>
+                                          <p:attrName>style.visibility</p:attrName>
+                                        </p:attrNameLst>
+                                      </p:cBhvr>
+                                      <p:to>
+                                        <p:strVal val="visible"/>
+                                      </p:to>
+                                    </p:set>
+                                    <p:animEffect transition="in" filter="fade">
+                                      <p:cBhvr>
+                                        <p:cTn id="29" dur="500"/>
+                                        <p:tgtEl>
+                                          <p:spTgt spid="7"/>
+                                        </p:tgtEl>
+                                      </p:cBhvr>
+                                    </p:animEffect>
+                                  </p:childTnLst>
+                                </p:cTn>
+                              </p:par>
+                              <p:par>
+                                <p:cTn id="30" presetID="10" presetClass="entr" presetSubtype="0" fill="hold" grpId="0" nodeType="withEffect">
+                                  <p:stCondLst>
+                                    <p:cond delay="0"/>
+                                  </p:stCondLst>
+                                  <p:childTnLst>
+                                    <p:set>
+                                      <p:cBhvr>
+                                        <p:cTn id="31" dur="1" fill="hold">
+                                          <p:stCondLst>
+                                            <p:cond delay="0"/>
+                                          </p:stCondLst>
+                                        </p:cTn>
+                                        <p:tgtEl>
+                                          <p:spTgt spid="8"/>
+                                        </p:tgtEl>
+                                        <p:attrNameLst>
+                                          <p:attrName>style.visibility</p:attrName>
+                                        </p:attrNameLst>
+                                      </p:cBhvr>
+                                      <p:to>
+                                        <p:strVal val="visible"/>
+                                      </p:to>
+                                    </p:set>
+                                    <p:animEffect transition="in" filter="fade">
+                                      <p:cBhvr>
+                                        <p:cTn id="32" dur="500"/>
+                                        <p:tgtEl>
+                                          <p:spTgt spid="8"/>
+                                        </p:tgtEl>
+                                      </p:cBhvr>
+                                    </p:animEffect>
+                                  </p:childTnLst>
+                                </p:cTn>
+                              </p:par>
+                            </p:childTnLst>
+                          </p:cTn>
+                        </p:par>
+                      </p:childTnLst>
+                    </p:cTn>
+                  </p:par>
+                  <p:par>
+                    <p:cTn id="33" fill="hold">
+                      <p:stCondLst>
+                        <p:cond delay="indefinite"/>
+                      </p:stCondLst>
+                      <p:childTnLst>
+                        <p:par>
+                          <p:cTn id="34" fill="hold">
+                            <p:stCondLst>
+                              <p:cond delay="0"/>
+                            </p:stCondLst>
+                            <p:childTnLst>
+                              <p:par>
+                                <p:cTn id="35" presetID="10" presetClass="entr" presetSubtype="0" fill="hold" grpId="0" nodeType="clickEffect">
+                                  <p:stCondLst>
+                                    <p:cond delay="0"/>
+                                  </p:stCondLst>
+                                  <p:childTnLst>
+                                    <p:set>
+                                      <p:cBhvr>
+                                        <p:cTn id="36" dur="1" fill="hold">
+                                          <p:stCondLst>
+                                            <p:cond delay="0"/>
+                                          </p:stCondLst>
+                                        </p:cTn>
+                                        <p:tgtEl>
+                                          <p:spTgt spid="10"/>
+                                        </p:tgtEl>
+                                        <p:attrNameLst>
+                                          <p:attrName>style.visibility</p:attrName>
+                                        </p:attrNameLst>
+                                      </p:cBhvr>
+                                      <p:to>
+                                        <p:strVal val="visible"/>
+                                      </p:to>
+                                    </p:set>
+                                    <p:animEffect transition="in" filter="fade">
+                                      <p:cBhvr>
+                                        <p:cTn id="37" dur="500"/>
+                                        <p:tgtEl>
+                                          <p:spTgt spid="10"/>
+                                        </p:tgtEl>
+                                      </p:cBhvr>
+                                    </p:animEffect>
+                                  </p:childTnLst>
+                                </p:cTn>
+                              </p:par>
+                              <p:par>
+                                <p:cTn id="38" presetID="10" presetClass="entr" presetSubtype="0" fill="hold" grpId="0" nodeType="withEffect">
+                                  <p:stCondLst>
+                                    <p:cond delay="0"/>
+                                  </p:stCondLst>
+                                  <p:childTnLst>
+                                    <p:set>
+                                      <p:cBhvr>
+                                        <p:cTn id="39" dur="1" fill="hold">
+                                          <p:stCondLst>
+                                            <p:cond delay="0"/>
+                                          </p:stCondLst>
+                                        </p:cTn>
+                                        <p:tgtEl>
+                                          <p:spTgt spid="13"/>
+                                        </p:tgtEl>
+                                        <p:attrNameLst>
+                                          <p:attrName>style.visibility</p:attrName>
+                                        </p:attrNameLst>
+                                      </p:cBhvr>
+                                      <p:to>
+                                        <p:strVal val="visible"/>
+                                      </p:to>
+                                    </p:set>
+                                    <p:animEffect transition="in" filter="fade">
+                                      <p:cBhvr>
+                                        <p:cTn id="40" dur="500"/>
+                                        <p:tgtEl>
+                                          <p:spTgt spid="13"/>
+                                        </p:tgtEl>
+                                      </p:cBhvr>
+                                    </p:animEffect>
+                                  </p:childTnLst>
+                                </p:cTn>
+                              </p:par>
+                              <p:par>
+                                <p:cTn id="41" presetID="10" presetClass="entr" presetSubtype="0" fill="hold" grpId="0" nodeType="withEffect">
+                                  <p:stCondLst>
+                                    <p:cond delay="0"/>
+                                  </p:stCondLst>
+                                  <p:childTnLst>
+                                    <p:set>
+                                      <p:cBhvr>
+                                        <p:cTn id="42" dur="1" fill="hold">
+                                          <p:stCondLst>
+                                            <p:cond delay="0"/>
+                                          </p:stCondLst>
+                                        </p:cTn>
+                                        <p:tgtEl>
+                                          <p:spTgt spid="17"/>
+                                        </p:tgtEl>
+                                        <p:attrNameLst>
+                                          <p:attrName>style.visibility</p:attrName>
+                                        </p:attrNameLst>
+                                      </p:cBhvr>
+                                      <p:to>
+                                        <p:strVal val="visible"/>
+                                      </p:to>
+                                    </p:set>
+                                    <p:animEffect transition="in" filter="fade">
+                                      <p:cBhvr>
+                                        <p:cTn id="43" dur="500"/>
+                                        <p:tgtEl>
+                                          <p:spTgt spid="17"/>
+                                        </p:tgtEl>
+                                      </p:cBhvr>
+                                    </p:animEffect>
+                                  </p:childTnLst>
+                                </p:cTn>
+                              </p:par>
+                            </p:childTnLst>
+                          </p:cTn>
+                        </p:par>
+                      </p:childTnLst>
+                    </p:cTn>
+                  </p:par>
+                  <p:par>
+                    <p:cTn id="44" fill="hold">
+                      <p:stCondLst>
+                        <p:cond delay="indefinite"/>
+                      </p:stCondLst>
+                      <p:childTnLst>
+                        <p:par>
+                          <p:cTn id="45" fill="hold">
+                            <p:stCondLst>
+                              <p:cond delay="0"/>
+                            </p:stCondLst>
+                            <p:childTnLst>
+                              <p:par>
+                                <p:cTn id="46" presetID="10" presetClass="entr" presetSubtype="0" fill="hold" grpId="0" nodeType="clickEffect">
+                                  <p:stCondLst>
+                                    <p:cond delay="0"/>
+                                  </p:stCondLst>
+                                  <p:childTnLst>
+                                    <p:set>
+                                      <p:cBhvr>
+                                        <p:cTn id="47" dur="1" fill="hold">
+                                          <p:stCondLst>
+                                            <p:cond delay="0"/>
+                                          </p:stCondLst>
+                                        </p:cTn>
+                                        <p:tgtEl>
+                                          <p:spTgt spid="14"/>
+                                        </p:tgtEl>
+                                        <p:attrNameLst>
+                                          <p:attrName>style.visibility</p:attrName>
+                                        </p:attrNameLst>
+                                      </p:cBhvr>
+                                      <p:to>
+                                        <p:strVal val="visible"/>
+                                      </p:to>
+                                    </p:set>
+                                    <p:animEffect transition="in" filter="fade">
+                                      <p:cBhvr>
+                                        <p:cTn id="48" dur="500"/>
+                                        <p:tgtEl>
+                                          <p:spTgt spid="14"/>
+                                        </p:tgtEl>
+                                      </p:cBhvr>
+                                    </p:animEffect>
+                                  </p:childTnLst>
+                                </p:cTn>
+                              </p:par>
+                              <p:par>
+                                <p:cTn id="49" presetID="10" presetClass="entr" presetSubtype="0" fill="hold" grpId="0" nodeType="withEffect">
+                                  <p:stCondLst>
+                                    <p:cond delay="0"/>
+                                  </p:stCondLst>
+                                  <p:childTnLst>
+                                    <p:set>
+                                      <p:cBhvr>
+                                        <p:cTn id="50" dur="1" fill="hold">
+                                          <p:stCondLst>
+                                            <p:cond delay="0"/>
+                                          </p:stCondLst>
+                                        </p:cTn>
+                                        <p:tgtEl>
+                                          <p:spTgt spid="16"/>
+                                        </p:tgtEl>
+                                        <p:attrNameLst>
+                                          <p:attrName>style.visibility</p:attrName>
+                                        </p:attrNameLst>
+                                      </p:cBhvr>
+                                      <p:to>
+                                        <p:strVal val="visible"/>
+                                      </p:to>
+                                    </p:set>
+                                    <p:animEffect transition="in" filter="fade">
+                                      <p:cBhvr>
+                                        <p:cTn id="51" dur="500"/>
+                                        <p:tgtEl>
+                                          <p:spTgt spid="16"/>
+                                        </p:tgtEl>
+                                      </p:cBhvr>
+                                    </p:animEffect>
+                                  </p:childTnLst>
+                                </p:cTn>
+                              </p:par>
+                            </p:childTnLst>
+                          </p:cTn>
+                        </p:par>
+                      </p:childTnLst>
+                    </p:cTn>
+                  </p:par>
+                </p:childTnLst>
+              </p:cTn>
+              <p:prevCondLst>
+                <p:cond evt="onPrev" delay="0">
+                  <p:tgtEl>
+                    <p:sldTgt/>
+                  </p:tgtEl>
+                </p:cond>
+              </p:prevCondLst>
+              <p:nextCondLst>
+                <p:cond evt="onNext" delay="0">
+                  <p:tgtEl>
+                    <p:sldTgt/>
+                  </p:tgtEl>
+                </p:cond>
+              </p:nextCondLst>
+            </p:seq>
+          </p:childTnLst>
+        </p:cTn>
+      </p:par>
+    </p:tnLst>
+    <p:bldLst>
+      <p:bldP spid="5" grpId="0" animBg="1"/>
+      <p:bldP spid="6" grpId="0" animBg="1"/>
+      <p:bldP spid="7" grpId="0" animBg="1"/>
+      <p:bldP spid="8" grpId="0" animBg="1"/>
+      <p:bldP spid="9" grpId="0" animBg="1"/>
+      <p:bldP spid="10" grpId="0" animBg="1"/>
+      <p:bldP spid="11" grpId="0" animBg="1"/>
+      <p:bldP spid="12" grpId="0" animBg="1"/>
+      <p:bldP spid="13" grpId="0" animBg="1"/>
+      <p:bldP spid="14" grpId="0" animBg="1"/>
+      <p:bldP spid="16" grpId="0" animBg="1"/>
+      <p:bldP spid="17" grpId="0" animBg="1"/>
+      <p:bldP spid="18" grpId="0" animBg="1"/>
+    </p:bldLst>
+  </p:timing>
 </p:sld>
 </file>
 
